--- a/doc/SDDS.pptx
+++ b/doc/SDDS.pptx
@@ -225,7 +225,7 @@
             <a:fld id="{A849C5AD-4428-4E9C-9C84-11B72C9365FB}" type="datetimeFigureOut">
               <a:rPr lang="en-US" smtClean="0"/>
               <a:pPr/>
-              <a:t>4/12/2019</a:t>
+              <a:t>5/20/2019</a:t>
             </a:fld>
             <a:endParaRPr lang="en-US" smtClean="0"/>
           </a:p>
@@ -379,7 +379,7 @@
             <a:fld id="{D7547E60-4BE7-4E4E-9AAA-5EE35AEC995C}" type="datetimeFigureOut">
               <a:rPr lang="en-US" smtClean="0"/>
               <a:pPr/>
-              <a:t>4/12/2019</a:t>
+              <a:t>5/20/2019</a:t>
             </a:fld>
             <a:endParaRPr lang="en-US" smtClean="0"/>
           </a:p>
@@ -1231,7 +1231,7 @@
             <a:fld id="{5C14FD69-4A85-4715-A222-ABB225B63BC6}" type="datetimeFigureOut">
               <a:rPr lang="en-US" smtClean="0"/>
               <a:pPr/>
-              <a:t>4/12/2019</a:t>
+              <a:t>5/20/2019</a:t>
             </a:fld>
             <a:endParaRPr lang="en-US"/>
           </a:p>
@@ -1410,7 +1410,7 @@
             <a:fld id="{5C14FD69-4A85-4715-A222-ABB225B63BC6}" type="datetimeFigureOut">
               <a:rPr lang="en-US" smtClean="0"/>
               <a:pPr/>
-              <a:t>4/12/2019</a:t>
+              <a:t>5/20/2019</a:t>
             </a:fld>
             <a:endParaRPr lang="en-US"/>
           </a:p>
@@ -1537,7 +1537,7 @@
             <a:fld id="{5C14FD69-4A85-4715-A222-ABB225B63BC6}" type="datetimeFigureOut">
               <a:rPr lang="en-US" smtClean="0"/>
               <a:pPr/>
-              <a:t>4/12/2019</a:t>
+              <a:t>5/20/2019</a:t>
             </a:fld>
             <a:endParaRPr lang="en-US"/>
           </a:p>
@@ -1630,7 +1630,7 @@
             <a:fld id="{5C14FD69-4A85-4715-A222-ABB225B63BC6}" type="datetimeFigureOut">
               <a:rPr lang="en-US" smtClean="0"/>
               <a:pPr/>
-              <a:t>4/12/2019</a:t>
+              <a:t>5/20/2019</a:t>
             </a:fld>
             <a:endParaRPr lang="en-US"/>
           </a:p>
@@ -1871,7 +1871,7 @@
             <a:fld id="{5C14FD69-4A85-4715-A222-ABB225B63BC6}" type="datetimeFigureOut">
               <a:rPr lang="en-US" smtClean="0"/>
               <a:pPr/>
-              <a:t>4/12/2019</a:t>
+              <a:t>5/20/2019</a:t>
             </a:fld>
             <a:endParaRPr lang="en-US"/>
           </a:p>
@@ -2050,7 +2050,7 @@
             <a:fld id="{5C14FD69-4A85-4715-A222-ABB225B63BC6}" type="datetimeFigureOut">
               <a:rPr lang="en-US" smtClean="0"/>
               <a:pPr/>
-              <a:t>4/12/2019</a:t>
+              <a:t>5/20/2019</a:t>
             </a:fld>
             <a:endParaRPr lang="en-US"/>
           </a:p>
@@ -2291,7 +2291,7 @@
             <a:fld id="{5C14FD69-4A85-4715-A222-ABB225B63BC6}" type="datetimeFigureOut">
               <a:rPr lang="en-US" smtClean="0"/>
               <a:pPr/>
-              <a:t>4/12/2019</a:t>
+              <a:t>5/20/2019</a:t>
             </a:fld>
             <a:endParaRPr lang="en-US"/>
           </a:p>
@@ -2565,7 +2565,7 @@
             <a:fld id="{5C14FD69-4A85-4715-A222-ABB225B63BC6}" type="datetimeFigureOut">
               <a:rPr lang="en-US" smtClean="0"/>
               <a:pPr/>
-              <a:t>4/12/2019</a:t>
+              <a:t>5/20/2019</a:t>
             </a:fld>
             <a:endParaRPr lang="en-US" sz="1000" dirty="0" smtClean="0"/>
           </a:p>
@@ -8065,11 +8065,7 @@
             </a:pPr>
             <a:r>
               <a:rPr lang="en-US" altLang="zh-CN" sz="2400" dirty="0"/>
-              <a:t>" ox200402 ": </a:t>
-            </a:r>
-            <a:r>
-              <a:rPr lang="en-US" altLang="zh-CN" sz="2400" dirty="0"/>
-              <a:t>{</a:t>
+              <a:t>" ox200402 ": {</a:t>
             </a:r>
           </a:p>
           <a:p>
@@ -8206,15 +8202,7 @@
           <a:p>
             <a:r>
               <a:rPr lang="zh-CN" altLang="en-US" dirty="0" smtClean="0"/>
-              <a:t>我们定主义为</a:t>
-            </a:r>
-            <a:r>
-              <a:rPr lang="zh-CN" altLang="en-US" dirty="0" smtClean="0"/>
-              <a:t>前面</a:t>
-            </a:r>
-            <a:r>
-              <a:rPr lang="zh-CN" altLang="en-US" dirty="0" smtClean="0"/>
-              <a:t>的</a:t>
+              <a:t>我们定主义为前面的</a:t>
             </a:r>
             <a:r>
               <a:rPr lang="en-US" altLang="zh-CN" dirty="0" err="1" smtClean="0"/>
@@ -8230,15 +8218,7 @@
             </a:r>
             <a:r>
               <a:rPr lang="zh-CN" altLang="en-US" dirty="0" smtClean="0"/>
-              <a:t>中</a:t>
-            </a:r>
-            <a:r>
-              <a:rPr lang="zh-CN" altLang="en-US" dirty="0" smtClean="0"/>
-              <a:t>的子节点</a:t>
-            </a:r>
-            <a:r>
-              <a:rPr lang="zh-CN" altLang="en-US" dirty="0" smtClean="0"/>
-              <a:t>。</a:t>
+              <a:t>中的子节点。</a:t>
             </a:r>
             <a:endParaRPr lang="en-US" altLang="zh-CN" dirty="0" smtClean="0"/>
           </a:p>
@@ -10383,130 +10363,89 @@
           <a:lstStyle/>
           <a:p>
             <a:r>
-              <a:rPr lang="en-US" altLang="zh-CN" dirty="0" smtClean="0"/>
+              <a:rPr lang="en-US" altLang="zh-CN" dirty="0"/>
               <a:t>SDDS</a:t>
             </a:r>
             <a:r>
-              <a:rPr lang="zh-CN" altLang="en-US" dirty="0" smtClean="0"/>
+              <a:rPr lang="zh-CN" altLang="en-US" dirty="0"/>
               <a:t>规范</a:t>
             </a:r>
-            <a:endParaRPr lang="en-US" altLang="zh-CN" dirty="0" smtClean="0"/>
+            <a:endParaRPr lang="en-US" altLang="zh-CN" dirty="0"/>
           </a:p>
           <a:p>
             <a:pPr lvl="1"/>
             <a:r>
-              <a:rPr lang="en-US" altLang="zh-CN" dirty="0" smtClean="0"/>
-              <a:t>【</a:t>
-            </a:r>
-            <a:r>
-              <a:rPr lang="zh-CN" altLang="en-US" dirty="0" smtClean="0"/>
-              <a:t>链接待填充</a:t>
-            </a:r>
-            <a:r>
-              <a:rPr lang="en-US" altLang="zh-CN" dirty="0" smtClean="0"/>
-              <a:t>】</a:t>
+              <a:rPr lang="en-US" altLang="zh-CN" dirty="0">
+                <a:hlinkClick r:id="rId2"/>
+              </a:rPr>
+              <a:t>https://github.com/byteferry/sdds/blob/master/SDDS%E8%A7%84%E8%8C%831.0%20Beta.md</a:t>
+            </a:r>
+            <a:r>
+              <a:rPr lang="en-US" altLang="zh-CN" dirty="0"/>
+              <a:t> </a:t>
+            </a:r>
+          </a:p>
+          <a:p>
+            <a:r>
+              <a:rPr lang="en-US" altLang="zh-CN" dirty="0"/>
+              <a:t>SDDS For PHP</a:t>
+            </a:r>
+          </a:p>
+          <a:p>
+            <a:pPr lvl="1"/>
+            <a:r>
+              <a:rPr lang="en-US" altLang="zh-CN" dirty="0">
+                <a:hlinkClick r:id="rId3"/>
+              </a:rPr>
+              <a:t>https://github.com/byteferry/sdds_php</a:t>
+            </a:r>
+            <a:r>
+              <a:rPr lang="en-US" altLang="zh-CN" dirty="0"/>
+              <a:t> </a:t>
+            </a:r>
+          </a:p>
+          <a:p>
+            <a:r>
+              <a:rPr lang="en-US" altLang="zh-CN" dirty="0"/>
+              <a:t>SDDS Cheat Sheet</a:t>
+            </a:r>
+          </a:p>
+          <a:p>
+            <a:pPr lvl="1"/>
+            <a:r>
+              <a:rPr lang="en-US" altLang="zh-CN" dirty="0">
+                <a:hlinkClick r:id="rId4"/>
+              </a:rPr>
+              <a:t>https://github.com/byteferry/sdds/blob/master/SDDS%20Cheat%20Sheet.pdf</a:t>
+            </a:r>
+            <a:r>
+              <a:rPr lang="en-US" altLang="zh-CN" dirty="0"/>
+              <a:t> </a:t>
+            </a:r>
+          </a:p>
+          <a:p>
+            <a:r>
+              <a:rPr lang="en-US" altLang="zh-CN" dirty="0"/>
+              <a:t>SDDS</a:t>
+            </a:r>
+            <a:r>
+              <a:rPr lang="zh-CN" altLang="en-US" dirty="0"/>
+              <a:t>客服支持</a:t>
+            </a:r>
+            <a:r>
+              <a:rPr lang="en-US" altLang="zh-CN" dirty="0"/>
+              <a:t>QQ</a:t>
+            </a:r>
+            <a:r>
+              <a:rPr lang="zh-CN" altLang="en-US" dirty="0"/>
+              <a:t>群：</a:t>
             </a:r>
             <a:endParaRPr lang="en-US" altLang="zh-CN" dirty="0"/>
           </a:p>
           <a:p>
-            <a:r>
-              <a:rPr lang="en-US" altLang="zh-CN" dirty="0" smtClean="0"/>
-              <a:t>SDDS For PHP</a:t>
-            </a:r>
-          </a:p>
-          <a:p>
             <a:pPr lvl="1"/>
             <a:r>
               <a:rPr lang="en-US" altLang="zh-CN" dirty="0"/>
-              <a:t>【</a:t>
-            </a:r>
-            <a:r>
-              <a:rPr lang="zh-CN" altLang="en-US" dirty="0"/>
-              <a:t>链接待填充</a:t>
-            </a:r>
-            <a:r>
-              <a:rPr lang="en-US" altLang="zh-CN" dirty="0" smtClean="0"/>
-              <a:t>】</a:t>
-            </a:r>
-          </a:p>
-          <a:p>
-            <a:r>
-              <a:rPr lang="en-US" altLang="zh-CN" dirty="0" smtClean="0"/>
-              <a:t>SDDS Cheat Sheet</a:t>
-            </a:r>
-          </a:p>
-          <a:p>
-            <a:pPr lvl="1"/>
-            <a:r>
-              <a:rPr lang="en-US" altLang="zh-CN" dirty="0"/>
-              <a:t>【</a:t>
-            </a:r>
-            <a:r>
-              <a:rPr lang="zh-CN" altLang="en-US" dirty="0"/>
-              <a:t>链接待填充</a:t>
-            </a:r>
-            <a:r>
-              <a:rPr lang="en-US" altLang="zh-CN" dirty="0"/>
-              <a:t>】</a:t>
-            </a:r>
-          </a:p>
-          <a:p>
-            <a:r>
-              <a:rPr lang="en-US" altLang="zh-CN" dirty="0" err="1"/>
-              <a:t>ByteFerry</a:t>
-            </a:r>
-            <a:r>
-              <a:rPr lang="en-US" altLang="zh-CN" dirty="0"/>
-              <a:t> For </a:t>
-            </a:r>
-            <a:r>
-              <a:rPr lang="en-US" altLang="zh-CN" dirty="0" err="1"/>
-              <a:t>Php</a:t>
-            </a:r>
-            <a:r>
-              <a:rPr lang="zh-CN" altLang="en-US" dirty="0" smtClean="0"/>
-              <a:t>框架</a:t>
-            </a:r>
-            <a:endParaRPr lang="en-US" altLang="zh-CN" dirty="0" smtClean="0"/>
-          </a:p>
-          <a:p>
-            <a:pPr lvl="1"/>
-            <a:r>
-              <a:rPr lang="en-US" altLang="zh-CN" dirty="0"/>
-              <a:t>【</a:t>
-            </a:r>
-            <a:r>
-              <a:rPr lang="zh-CN" altLang="en-US" dirty="0"/>
-              <a:t>链接待填充</a:t>
-            </a:r>
-            <a:r>
-              <a:rPr lang="en-US" altLang="zh-CN" dirty="0"/>
-              <a:t>】</a:t>
-            </a:r>
-          </a:p>
-          <a:p>
-            <a:r>
-              <a:rPr lang="en-US" altLang="zh-CN" dirty="0" smtClean="0"/>
-              <a:t>SDDS</a:t>
-            </a:r>
-            <a:r>
-              <a:rPr lang="zh-CN" altLang="en-US" dirty="0" smtClean="0"/>
-              <a:t>客服支持</a:t>
-            </a:r>
-            <a:r>
-              <a:rPr lang="en-US" altLang="zh-CN" dirty="0" smtClean="0"/>
-              <a:t>QQ</a:t>
-            </a:r>
-            <a:r>
-              <a:rPr lang="zh-CN" altLang="en-US" dirty="0" smtClean="0"/>
-              <a:t>群：</a:t>
-            </a:r>
-            <a:endParaRPr lang="en-US" altLang="zh-CN" dirty="0" smtClean="0"/>
-          </a:p>
-          <a:p>
-            <a:pPr lvl="1"/>
-            <a:r>
-              <a:rPr lang="en-US" altLang="zh-CN" dirty="0" smtClean="0"/>
               <a:t>769010107</a:t>
             </a:r>
           </a:p>
